--- a/project-files/project-presentation.pptx
+++ b/project-files/project-presentation.pptx
@@ -5,7 +5,7 @@
     <p:sldMasterId id="2147483701" r:id="rId1"/>
   </p:sldMasterIdLst>
   <p:notesMasterIdLst>
-    <p:notesMasterId r:id="rId11"/>
+    <p:notesMasterId r:id="rId8"/>
   </p:notesMasterIdLst>
   <p:sldIdLst>
     <p:sldId id="257" r:id="rId2"/>
@@ -14,9 +14,6 @@
     <p:sldId id="260" r:id="rId5"/>
     <p:sldId id="261" r:id="rId6"/>
     <p:sldId id="262" r:id="rId7"/>
-    <p:sldId id="256" r:id="rId8"/>
-    <p:sldId id="263" r:id="rId9"/>
-    <p:sldId id="264" r:id="rId10"/>
   </p:sldIdLst>
   <p:sldSz cx="12192000" cy="6858000"/>
   <p:notesSz cx="6858000" cy="9144000"/>
@@ -205,7 +202,7 @@
           <a:p>
             <a:fld id="{B21C2F9F-82F6-4E16-B664-CB7B2097EC4F}" type="datetimeFigureOut">
               <a:rPr lang="fr-FR" smtClean="0"/>
-              <a:t>20/01/2025</a:t>
+              <a:t>21/01/2025</a:t>
             </a:fld>
             <a:endParaRPr lang="fr-FR"/>
           </a:p>
@@ -1683,7 +1680,7 @@
           <a:p>
             <a:fld id="{67CDA05A-CDFD-4DD8-BEC0-1E85AFCDEA83}" type="datetimeFigureOut">
               <a:rPr lang="fr-FR" smtClean="0"/>
-              <a:t>20/01/2025</a:t>
+              <a:t>21/01/2025</a:t>
             </a:fld>
             <a:endParaRPr lang="fr-FR"/>
           </a:p>
@@ -1921,7 +1918,7 @@
           <a:p>
             <a:fld id="{67CDA05A-CDFD-4DD8-BEC0-1E85AFCDEA83}" type="datetimeFigureOut">
               <a:rPr lang="fr-FR" smtClean="0"/>
-              <a:t>20/01/2025</a:t>
+              <a:t>21/01/2025</a:t>
             </a:fld>
             <a:endParaRPr lang="fr-FR"/>
           </a:p>
@@ -2101,7 +2098,7 @@
           <a:p>
             <a:fld id="{67CDA05A-CDFD-4DD8-BEC0-1E85AFCDEA83}" type="datetimeFigureOut">
               <a:rPr lang="fr-FR" smtClean="0"/>
-              <a:t>20/01/2025</a:t>
+              <a:t>21/01/2025</a:t>
             </a:fld>
             <a:endParaRPr lang="fr-FR"/>
           </a:p>
@@ -2271,7 +2268,7 @@
           <a:p>
             <a:fld id="{67CDA05A-CDFD-4DD8-BEC0-1E85AFCDEA83}" type="datetimeFigureOut">
               <a:rPr lang="fr-FR" smtClean="0"/>
-              <a:t>20/01/2025</a:t>
+              <a:t>21/01/2025</a:t>
             </a:fld>
             <a:endParaRPr lang="fr-FR"/>
           </a:p>
@@ -2544,7 +2541,7 @@
           <a:p>
             <a:fld id="{67CDA05A-CDFD-4DD8-BEC0-1E85AFCDEA83}" type="datetimeFigureOut">
               <a:rPr lang="fr-FR" smtClean="0"/>
-              <a:t>20/01/2025</a:t>
+              <a:t>21/01/2025</a:t>
             </a:fld>
             <a:endParaRPr lang="fr-FR"/>
           </a:p>
@@ -3745,7 +3742,7 @@
           <a:p>
             <a:fld id="{67CDA05A-CDFD-4DD8-BEC0-1E85AFCDEA83}" type="datetimeFigureOut">
               <a:rPr lang="fr-FR" smtClean="0"/>
-              <a:t>20/01/2025</a:t>
+              <a:t>21/01/2025</a:t>
             </a:fld>
             <a:endParaRPr lang="fr-FR"/>
           </a:p>
@@ -4135,7 +4132,7 @@
           <a:p>
             <a:fld id="{67CDA05A-CDFD-4DD8-BEC0-1E85AFCDEA83}" type="datetimeFigureOut">
               <a:rPr lang="fr-FR" smtClean="0"/>
-              <a:t>20/01/2025</a:t>
+              <a:t>21/01/2025</a:t>
             </a:fld>
             <a:endParaRPr lang="fr-FR"/>
           </a:p>
@@ -4258,7 +4255,7 @@
           <a:p>
             <a:fld id="{67CDA05A-CDFD-4DD8-BEC0-1E85AFCDEA83}" type="datetimeFigureOut">
               <a:rPr lang="fr-FR" smtClean="0"/>
-              <a:t>20/01/2025</a:t>
+              <a:t>21/01/2025</a:t>
             </a:fld>
             <a:endParaRPr lang="fr-FR"/>
           </a:p>
@@ -4353,7 +4350,7 @@
           <a:p>
             <a:fld id="{67CDA05A-CDFD-4DD8-BEC0-1E85AFCDEA83}" type="datetimeFigureOut">
               <a:rPr lang="fr-FR" smtClean="0"/>
-              <a:t>20/01/2025</a:t>
+              <a:t>21/01/2025</a:t>
             </a:fld>
             <a:endParaRPr lang="fr-FR"/>
           </a:p>
@@ -5116,7 +5113,7 @@
           <a:p>
             <a:fld id="{67CDA05A-CDFD-4DD8-BEC0-1E85AFCDEA83}" type="datetimeFigureOut">
               <a:rPr lang="fr-FR" smtClean="0"/>
-              <a:t>20/01/2025</a:t>
+              <a:t>21/01/2025</a:t>
             </a:fld>
             <a:endParaRPr lang="fr-FR"/>
           </a:p>
@@ -5956,7 +5953,7 @@
           <a:p>
             <a:fld id="{67CDA05A-CDFD-4DD8-BEC0-1E85AFCDEA83}" type="datetimeFigureOut">
               <a:rPr lang="fr-FR" smtClean="0"/>
-              <a:t>20/01/2025</a:t>
+              <a:t>21/01/2025</a:t>
             </a:fld>
             <a:endParaRPr lang="fr-FR"/>
           </a:p>
@@ -6183,7 +6180,7 @@
           <a:p>
             <a:fld id="{67CDA05A-CDFD-4DD8-BEC0-1E85AFCDEA83}" type="datetimeFigureOut">
               <a:rPr lang="fr-FR" smtClean="0"/>
-              <a:t>20/01/2025</a:t>
+              <a:t>21/01/2025</a:t>
             </a:fld>
             <a:endParaRPr lang="fr-FR"/>
           </a:p>
@@ -15731,256 +15728,6 @@
 </p:sld>
 </file>
 
-<file path=ppt/slides/slide7.xml><?xml version="1.0" encoding="utf-8"?>
-<p:sld xmlns:a="http://schemas.openxmlformats.org/drawingml/2006/main" xmlns:r="http://schemas.openxmlformats.org/officeDocument/2006/relationships" xmlns:p="http://schemas.openxmlformats.org/presentationml/2006/main">
-  <p:cSld>
-    <p:spTree>
-      <p:nvGrpSpPr>
-        <p:cNvPr id="1" name=""/>
-        <p:cNvGrpSpPr/>
-        <p:nvPr/>
-      </p:nvGrpSpPr>
-      <p:grpSpPr>
-        <a:xfrm>
-          <a:off x="0" y="0"/>
-          <a:ext cx="0" cy="0"/>
-          <a:chOff x="0" y="0"/>
-          <a:chExt cx="0" cy="0"/>
-        </a:xfrm>
-      </p:grpSpPr>
-      <p:sp>
-        <p:nvSpPr>
-          <p:cNvPr id="2" name="ZoneTexte 1">
-            <a:extLst>
-              <a:ext uri="{FF2B5EF4-FFF2-40B4-BE49-F238E27FC236}">
-                <a16:creationId xmlns:a16="http://schemas.microsoft.com/office/drawing/2014/main" id="{6E4D255E-1955-4EB8-8B8E-E4AA7F73B04B}"/>
-              </a:ext>
-            </a:extLst>
-          </p:cNvPr>
-          <p:cNvSpPr txBox="1"/>
-          <p:nvPr/>
-        </p:nvSpPr>
-        <p:spPr>
-          <a:xfrm>
-            <a:off x="3023119" y="195944"/>
-            <a:ext cx="6204858" cy="400110"/>
-          </a:xfrm>
-          <a:prstGeom prst="rect">
-            <a:avLst/>
-          </a:prstGeom>
-          <a:noFill/>
-          <a:ln>
-            <a:solidFill>
-              <a:schemeClr val="accent1"/>
-            </a:solidFill>
-          </a:ln>
-        </p:spPr>
-        <p:txBody>
-          <a:bodyPr wrap="square" rtlCol="0">
-            <a:spAutoFit/>
-          </a:bodyPr>
-          <a:lstStyle/>
-          <a:p>
-            <a:r>
-              <a:rPr lang="fr-FR" sz="2000" dirty="0"/>
-              <a:t>Annexe1 : Console de démarrage du serveur </a:t>
-            </a:r>
-            <a:r>
-              <a:rPr lang="fr-FR" sz="2000" dirty="0" err="1"/>
-              <a:t>Zookeeper</a:t>
-            </a:r>
-            <a:endParaRPr lang="fr-FR" sz="2000" dirty="0"/>
-          </a:p>
-        </p:txBody>
-      </p:sp>
-    </p:spTree>
-    <p:extLst>
-      <p:ext uri="{BB962C8B-B14F-4D97-AF65-F5344CB8AC3E}">
-        <p14:creationId xmlns:p14="http://schemas.microsoft.com/office/powerpoint/2010/main" val="1541535928"/>
-      </p:ext>
-    </p:extLst>
-  </p:cSld>
-  <p:clrMapOvr>
-    <a:masterClrMapping/>
-  </p:clrMapOvr>
-</p:sld>
-</file>
-
-<file path=ppt/slides/slide8.xml><?xml version="1.0" encoding="utf-8"?>
-<p:sld xmlns:a="http://schemas.openxmlformats.org/drawingml/2006/main" xmlns:r="http://schemas.openxmlformats.org/officeDocument/2006/relationships" xmlns:p="http://schemas.openxmlformats.org/presentationml/2006/main">
-  <p:cSld>
-    <p:spTree>
-      <p:nvGrpSpPr>
-        <p:cNvPr id="1" name=""/>
-        <p:cNvGrpSpPr/>
-        <p:nvPr/>
-      </p:nvGrpSpPr>
-      <p:grpSpPr>
-        <a:xfrm>
-          <a:off x="0" y="0"/>
-          <a:ext cx="0" cy="0"/>
-          <a:chOff x="0" y="0"/>
-          <a:chExt cx="0" cy="0"/>
-        </a:xfrm>
-      </p:grpSpPr>
-      <p:pic>
-        <p:nvPicPr>
-          <p:cNvPr id="5" name="Image 4">
-            <a:extLst>
-              <a:ext uri="{FF2B5EF4-FFF2-40B4-BE49-F238E27FC236}">
-                <a16:creationId xmlns:a16="http://schemas.microsoft.com/office/drawing/2014/main" id="{6B4AB922-9694-D508-468F-715B3AA9C788}"/>
-              </a:ext>
-            </a:extLst>
-          </p:cNvPr>
-          <p:cNvPicPr>
-            <a:picLocks noChangeAspect="1"/>
-          </p:cNvPicPr>
-          <p:nvPr/>
-        </p:nvPicPr>
-        <p:blipFill>
-          <a:blip r:embed="rId2"/>
-          <a:stretch>
-            <a:fillRect/>
-          </a:stretch>
-        </p:blipFill>
-        <p:spPr>
-          <a:xfrm>
-            <a:off x="-1" y="906661"/>
-            <a:ext cx="12204683" cy="5270204"/>
-          </a:xfrm>
-          <a:prstGeom prst="rect">
-            <a:avLst/>
-          </a:prstGeom>
-        </p:spPr>
-      </p:pic>
-      <p:sp>
-        <p:nvSpPr>
-          <p:cNvPr id="2" name="ZoneTexte 1">
-            <a:extLst>
-              <a:ext uri="{FF2B5EF4-FFF2-40B4-BE49-F238E27FC236}">
-                <a16:creationId xmlns:a16="http://schemas.microsoft.com/office/drawing/2014/main" id="{6E4D255E-1955-4EB8-8B8E-E4AA7F73B04B}"/>
-              </a:ext>
-            </a:extLst>
-          </p:cNvPr>
-          <p:cNvSpPr txBox="1"/>
-          <p:nvPr/>
-        </p:nvSpPr>
-        <p:spPr>
-          <a:xfrm>
-            <a:off x="3788229" y="195944"/>
-            <a:ext cx="5635689" cy="400110"/>
-          </a:xfrm>
-          <a:prstGeom prst="rect">
-            <a:avLst/>
-          </a:prstGeom>
-          <a:noFill/>
-          <a:ln>
-            <a:solidFill>
-              <a:schemeClr val="accent1"/>
-            </a:solidFill>
-          </a:ln>
-        </p:spPr>
-        <p:txBody>
-          <a:bodyPr wrap="square" rtlCol="0">
-            <a:spAutoFit/>
-          </a:bodyPr>
-          <a:lstStyle/>
-          <a:p>
-            <a:r>
-              <a:rPr lang="fr-FR" sz="2000" dirty="0"/>
-              <a:t>Annexe 2 : Console de démarrage du serveur Kafka</a:t>
-            </a:r>
-          </a:p>
-        </p:txBody>
-      </p:sp>
-    </p:spTree>
-    <p:extLst>
-      <p:ext uri="{BB962C8B-B14F-4D97-AF65-F5344CB8AC3E}">
-        <p14:creationId xmlns:p14="http://schemas.microsoft.com/office/powerpoint/2010/main" val="4105287477"/>
-      </p:ext>
-    </p:extLst>
-  </p:cSld>
-  <p:clrMapOvr>
-    <a:masterClrMapping/>
-  </p:clrMapOvr>
-</p:sld>
-</file>
-
-<file path=ppt/slides/slide9.xml><?xml version="1.0" encoding="utf-8"?>
-<p:sld xmlns:a="http://schemas.openxmlformats.org/drawingml/2006/main" xmlns:r="http://schemas.openxmlformats.org/officeDocument/2006/relationships" xmlns:p="http://schemas.openxmlformats.org/presentationml/2006/main">
-  <p:cSld>
-    <p:spTree>
-      <p:nvGrpSpPr>
-        <p:cNvPr id="1" name=""/>
-        <p:cNvGrpSpPr/>
-        <p:nvPr/>
-      </p:nvGrpSpPr>
-      <p:grpSpPr>
-        <a:xfrm>
-          <a:off x="0" y="0"/>
-          <a:ext cx="0" cy="0"/>
-          <a:chOff x="0" y="0"/>
-          <a:chExt cx="0" cy="0"/>
-        </a:xfrm>
-      </p:grpSpPr>
-      <p:sp>
-        <p:nvSpPr>
-          <p:cNvPr id="2" name="ZoneTexte 1">
-            <a:extLst>
-              <a:ext uri="{FF2B5EF4-FFF2-40B4-BE49-F238E27FC236}">
-                <a16:creationId xmlns:a16="http://schemas.microsoft.com/office/drawing/2014/main" id="{6E4D255E-1955-4EB8-8B8E-E4AA7F73B04B}"/>
-              </a:ext>
-            </a:extLst>
-          </p:cNvPr>
-          <p:cNvSpPr txBox="1"/>
-          <p:nvPr/>
-        </p:nvSpPr>
-        <p:spPr>
-          <a:xfrm>
-            <a:off x="3788229" y="195944"/>
-            <a:ext cx="5738326" cy="400110"/>
-          </a:xfrm>
-          <a:prstGeom prst="rect">
-            <a:avLst/>
-          </a:prstGeom>
-          <a:noFill/>
-          <a:ln>
-            <a:solidFill>
-              <a:schemeClr val="accent1"/>
-            </a:solidFill>
-          </a:ln>
-        </p:spPr>
-        <p:txBody>
-          <a:bodyPr wrap="square" rtlCol="0">
-            <a:spAutoFit/>
-          </a:bodyPr>
-          <a:lstStyle/>
-          <a:p>
-            <a:r>
-              <a:rPr lang="fr-FR" sz="2000" dirty="0"/>
-              <a:t>Annexe 3 : Le projet sur </a:t>
-            </a:r>
-            <a:r>
-              <a:rPr lang="fr-FR" sz="2000" dirty="0" err="1"/>
-              <a:t>gitHub</a:t>
-            </a:r>
-            <a:endParaRPr lang="fr-FR" sz="2000" dirty="0"/>
-          </a:p>
-        </p:txBody>
-      </p:sp>
-    </p:spTree>
-    <p:extLst>
-      <p:ext uri="{BB962C8B-B14F-4D97-AF65-F5344CB8AC3E}">
-        <p14:creationId xmlns:p14="http://schemas.microsoft.com/office/powerpoint/2010/main" val="82065508"/>
-      </p:ext>
-    </p:extLst>
-  </p:cSld>
-  <p:clrMapOvr>
-    <a:masterClrMapping/>
-  </p:clrMapOvr>
-</p:sld>
-</file>
-
 <file path=ppt/theme/theme1.xml><?xml version="1.0" encoding="utf-8"?>
 <a:theme xmlns:a="http://schemas.openxmlformats.org/drawingml/2006/main" name="Badge">
   <a:themeElements>
